--- a/PCイメージ展開.pptx
+++ b/PCイメージ展開.pptx
@@ -7,7 +7,10 @@
   <p:sldIdLst>
     <p:sldId id="256" r:id="rId2"/>
     <p:sldId id="257" r:id="rId3"/>
-    <p:sldId id="259" r:id="rId4"/>
+    <p:sldId id="261" r:id="rId4"/>
+    <p:sldId id="260" r:id="rId5"/>
+    <p:sldId id="262" r:id="rId6"/>
+    <p:sldId id="259" r:id="rId7"/>
   </p:sldIdLst>
   <p:sldSz cx="12192000" cy="6858000"/>
   <p:notesSz cx="6858000" cy="9144000"/>
@@ -261,7 +264,7 @@
           <a:p>
             <a:fld id="{4DC84CBA-4B81-4D95-84AB-37CD18774FDD}" type="datetimeFigureOut">
               <a:rPr kumimoji="1" lang="ja-JP" altLang="en-US" smtClean="0"/>
-              <a:t>2018/5/4</a:t>
+              <a:t>2018/5/12</a:t>
             </a:fld>
             <a:endParaRPr kumimoji="1" lang="ja-JP" altLang="en-US"/>
           </a:p>
@@ -491,7 +494,7 @@
           <a:p>
             <a:fld id="{4DC84CBA-4B81-4D95-84AB-37CD18774FDD}" type="datetimeFigureOut">
               <a:rPr kumimoji="1" lang="ja-JP" altLang="en-US" smtClean="0"/>
-              <a:t>2018/5/4</a:t>
+              <a:t>2018/5/12</a:t>
             </a:fld>
             <a:endParaRPr kumimoji="1" lang="ja-JP" altLang="en-US"/>
           </a:p>
@@ -731,7 +734,7 @@
           <a:p>
             <a:fld id="{4DC84CBA-4B81-4D95-84AB-37CD18774FDD}" type="datetimeFigureOut">
               <a:rPr kumimoji="1" lang="ja-JP" altLang="en-US" smtClean="0"/>
-              <a:t>2018/5/4</a:t>
+              <a:t>2018/5/12</a:t>
             </a:fld>
             <a:endParaRPr kumimoji="1" lang="ja-JP" altLang="en-US"/>
           </a:p>
@@ -961,7 +964,7 @@
           <a:p>
             <a:fld id="{4DC84CBA-4B81-4D95-84AB-37CD18774FDD}" type="datetimeFigureOut">
               <a:rPr kumimoji="1" lang="ja-JP" altLang="en-US" smtClean="0"/>
-              <a:t>2018/5/4</a:t>
+              <a:t>2018/5/12</a:t>
             </a:fld>
             <a:endParaRPr kumimoji="1" lang="ja-JP" altLang="en-US"/>
           </a:p>
@@ -1236,7 +1239,7 @@
           <a:p>
             <a:fld id="{4DC84CBA-4B81-4D95-84AB-37CD18774FDD}" type="datetimeFigureOut">
               <a:rPr kumimoji="1" lang="ja-JP" altLang="en-US" smtClean="0"/>
-              <a:t>2018/5/4</a:t>
+              <a:t>2018/5/12</a:t>
             </a:fld>
             <a:endParaRPr kumimoji="1" lang="ja-JP" altLang="en-US"/>
           </a:p>
@@ -1565,7 +1568,7 @@
           <a:p>
             <a:fld id="{4DC84CBA-4B81-4D95-84AB-37CD18774FDD}" type="datetimeFigureOut">
               <a:rPr kumimoji="1" lang="ja-JP" altLang="en-US" smtClean="0"/>
-              <a:t>2018/5/4</a:t>
+              <a:t>2018/5/12</a:t>
             </a:fld>
             <a:endParaRPr kumimoji="1" lang="ja-JP" altLang="en-US"/>
           </a:p>
@@ -2041,7 +2044,7 @@
           <a:p>
             <a:fld id="{4DC84CBA-4B81-4D95-84AB-37CD18774FDD}" type="datetimeFigureOut">
               <a:rPr kumimoji="1" lang="ja-JP" altLang="en-US" smtClean="0"/>
-              <a:t>2018/5/4</a:t>
+              <a:t>2018/5/12</a:t>
             </a:fld>
             <a:endParaRPr kumimoji="1" lang="ja-JP" altLang="en-US"/>
           </a:p>
@@ -2182,7 +2185,7 @@
           <a:p>
             <a:fld id="{4DC84CBA-4B81-4D95-84AB-37CD18774FDD}" type="datetimeFigureOut">
               <a:rPr kumimoji="1" lang="ja-JP" altLang="en-US" smtClean="0"/>
-              <a:t>2018/5/4</a:t>
+              <a:t>2018/5/12</a:t>
             </a:fld>
             <a:endParaRPr kumimoji="1" lang="ja-JP" altLang="en-US"/>
           </a:p>
@@ -2295,7 +2298,7 @@
           <a:p>
             <a:fld id="{4DC84CBA-4B81-4D95-84AB-37CD18774FDD}" type="datetimeFigureOut">
               <a:rPr kumimoji="1" lang="ja-JP" altLang="en-US" smtClean="0"/>
-              <a:t>2018/5/4</a:t>
+              <a:t>2018/5/12</a:t>
             </a:fld>
             <a:endParaRPr kumimoji="1" lang="ja-JP" altLang="en-US"/>
           </a:p>
@@ -2638,7 +2641,7 @@
           <a:p>
             <a:fld id="{4DC84CBA-4B81-4D95-84AB-37CD18774FDD}" type="datetimeFigureOut">
               <a:rPr kumimoji="1" lang="ja-JP" altLang="en-US" smtClean="0"/>
-              <a:t>2018/5/4</a:t>
+              <a:t>2018/5/12</a:t>
             </a:fld>
             <a:endParaRPr kumimoji="1" lang="ja-JP" altLang="en-US"/>
           </a:p>
@@ -2926,7 +2929,7 @@
           <a:p>
             <a:fld id="{4DC84CBA-4B81-4D95-84AB-37CD18774FDD}" type="datetimeFigureOut">
               <a:rPr kumimoji="1" lang="ja-JP" altLang="en-US" smtClean="0"/>
-              <a:t>2018/5/4</a:t>
+              <a:t>2018/5/12</a:t>
             </a:fld>
             <a:endParaRPr kumimoji="1" lang="ja-JP" altLang="en-US"/>
           </a:p>
@@ -3199,7 +3202,7 @@
           <a:p>
             <a:fld id="{4DC84CBA-4B81-4D95-84AB-37CD18774FDD}" type="datetimeFigureOut">
               <a:rPr kumimoji="1" lang="ja-JP" altLang="en-US" smtClean="0"/>
-              <a:t>2018/5/4</a:t>
+              <a:t>2018/5/12</a:t>
             </a:fld>
             <a:endParaRPr kumimoji="1" lang="ja-JP" altLang="en-US"/>
           </a:p>
@@ -3643,41 +3646,38 @@
             </a:r>
             <a:r>
               <a:rPr lang="ja-JP" altLang="en-US" dirty="0"/>
-              <a:t>イメージ展開の</a:t>
-            </a:r>
-            <a:br>
+              <a:t>キッティング検討</a:t>
+            </a:r>
+            <a:endParaRPr kumimoji="1" lang="ja-JP" altLang="en-US" dirty="0"/>
+          </a:p>
+        </p:txBody>
+      </p:sp>
+      <p:sp>
+        <p:nvSpPr>
+          <p:cNvPr id="3" name="字幕 2">
+            <a:extLst>
+              <a:ext uri="{FF2B5EF4-FFF2-40B4-BE49-F238E27FC236}">
+                <a16:creationId xmlns:a16="http://schemas.microsoft.com/office/drawing/2014/main" id="{E6411BAB-B4BD-4ADF-8EC9-C536101018D4}"/>
+              </a:ext>
+            </a:extLst>
+          </p:cNvPr>
+          <p:cNvSpPr>
+            <a:spLocks noGrp="1"/>
+          </p:cNvSpPr>
+          <p:nvPr>
+            <p:ph type="subTitle" idx="1"/>
+          </p:nvPr>
+        </p:nvSpPr>
+        <p:spPr/>
+        <p:txBody>
+          <a:bodyPr/>
+          <a:lstStyle/>
+          <a:p>
+            <a:r>
               <a:rPr lang="en-US" altLang="ja-JP" dirty="0"/>
-            </a:br>
-            <a:r>
-              <a:rPr lang="ja-JP" altLang="en-US" dirty="0"/>
-              <a:t>自動化検討</a:t>
+              <a:t>For Windows 10</a:t>
             </a:r>
             <a:endParaRPr kumimoji="1" lang="ja-JP" altLang="en-US" dirty="0"/>
-          </a:p>
-        </p:txBody>
-      </p:sp>
-      <p:sp>
-        <p:nvSpPr>
-          <p:cNvPr id="3" name="字幕 2">
-            <a:extLst>
-              <a:ext uri="{FF2B5EF4-FFF2-40B4-BE49-F238E27FC236}">
-                <a16:creationId xmlns:a16="http://schemas.microsoft.com/office/drawing/2014/main" id="{E6411BAB-B4BD-4ADF-8EC9-C536101018D4}"/>
-              </a:ext>
-            </a:extLst>
-          </p:cNvPr>
-          <p:cNvSpPr>
-            <a:spLocks noGrp="1"/>
-          </p:cNvSpPr>
-          <p:nvPr>
-            <p:ph type="subTitle" idx="1"/>
-          </p:nvPr>
-        </p:nvSpPr>
-        <p:spPr/>
-        <p:txBody>
-          <a:bodyPr/>
-          <a:lstStyle/>
-          <a:p>
-            <a:endParaRPr kumimoji="1" lang="ja-JP" altLang="en-US"/>
           </a:p>
         </p:txBody>
       </p:sp>
@@ -3734,7 +3734,7 @@
           <a:p>
             <a:r>
               <a:rPr lang="ja-JP" altLang="en-US" dirty="0"/>
-              <a:t>イメージ展開の自動化</a:t>
+              <a:t>生産性向上の観点</a:t>
             </a:r>
             <a:endParaRPr kumimoji="1" lang="ja-JP" altLang="en-US" dirty="0"/>
           </a:p>
@@ -3759,7 +3759,7 @@
         <p:spPr/>
         <p:txBody>
           <a:bodyPr>
-            <a:normAutofit fontScale="85000" lnSpcReduction="20000"/>
+            <a:normAutofit/>
           </a:bodyPr>
           <a:lstStyle/>
           <a:p>
@@ -3768,7 +3768,7 @@
             </a:pPr>
             <a:r>
               <a:rPr kumimoji="1" lang="ja-JP" altLang="en-US" dirty="0"/>
-              <a:t>予算・台数規模によって、大きく以下２つの自動化手法を確立する。</a:t>
+              <a:t>キッティングの生産台数を高めるには短時間による大量生産が必要である。以下の観点で、それぞれ検討する。</a:t>
             </a:r>
             <a:endParaRPr kumimoji="1" lang="en-US" altLang="ja-JP" dirty="0"/>
           </a:p>
@@ -3780,166 +3780,38 @@
           </a:p>
           <a:p>
             <a:r>
-              <a:rPr kumimoji="1" lang="ja-JP" altLang="en-US" dirty="0"/>
-              <a:t>ライトタッチ展開</a:t>
+              <a:rPr lang="ja-JP" altLang="en-US" b="1" dirty="0"/>
+              <a:t>設定時間の最小化</a:t>
+            </a:r>
+            <a:endParaRPr kumimoji="1" lang="en-US" altLang="ja-JP" b="1" dirty="0"/>
+          </a:p>
+          <a:p>
+            <a:pPr marL="0" indent="0">
+              <a:buNone/>
+            </a:pPr>
+            <a:r>
+              <a:rPr lang="ja-JP" altLang="en-US" dirty="0"/>
+              <a:t>作業の自動化・省力化によりキッティング時間を減らし、生産台数を向上</a:t>
             </a:r>
             <a:endParaRPr kumimoji="1" lang="en-US" altLang="ja-JP" dirty="0"/>
           </a:p>
           <a:p>
+            <a:endParaRPr kumimoji="1" lang="en-US" altLang="ja-JP" dirty="0"/>
+          </a:p>
+          <a:p>
+            <a:r>
+              <a:rPr lang="ja-JP" altLang="en-US" b="1" dirty="0"/>
+              <a:t>同時作業数の最大化</a:t>
+            </a:r>
+            <a:endParaRPr lang="en-US" altLang="ja-JP" b="1" dirty="0"/>
+          </a:p>
+          <a:p>
             <a:pPr marL="0" indent="0">
               <a:buNone/>
             </a:pPr>
             <a:r>
               <a:rPr lang="ja-JP" altLang="en-US" dirty="0"/>
-              <a:t>　展開を</a:t>
-            </a:r>
-            <a:r>
-              <a:rPr lang="en-US" altLang="ja-JP" dirty="0"/>
-              <a:t>9</a:t>
-            </a:r>
-            <a:r>
-              <a:rPr lang="ja-JP" altLang="en-US" dirty="0"/>
-              <a:t>割自動化する。展開先</a:t>
-            </a:r>
-            <a:r>
-              <a:rPr lang="en-US" altLang="ja-JP" dirty="0"/>
-              <a:t>PC</a:t>
-            </a:r>
-            <a:r>
-              <a:rPr lang="ja-JP" altLang="en-US" dirty="0" err="1"/>
-              <a:t>での</a:t>
-            </a:r>
-            <a:r>
-              <a:rPr lang="ja-JP" altLang="en-US" dirty="0"/>
-              <a:t>手動操作は不要。</a:t>
-            </a:r>
-            <a:endParaRPr lang="en-US" altLang="ja-JP" dirty="0"/>
-          </a:p>
-          <a:p>
-            <a:pPr marL="0" indent="0">
-              <a:buNone/>
-            </a:pPr>
-            <a:r>
-              <a:rPr lang="ja-JP" altLang="en-US" dirty="0"/>
-              <a:t>　メリット：生産台数多。環境にもよるが</a:t>
-            </a:r>
-            <a:r>
-              <a:rPr lang="en-US" altLang="ja-JP" dirty="0"/>
-              <a:t>1</a:t>
-            </a:r>
-            <a:r>
-              <a:rPr lang="ja-JP" altLang="en-US" dirty="0"/>
-              <a:t>名で</a:t>
-            </a:r>
-            <a:r>
-              <a:rPr lang="en-US" altLang="ja-JP" dirty="0"/>
-              <a:t>1</a:t>
-            </a:r>
-            <a:r>
-              <a:rPr lang="ja-JP" altLang="en-US" dirty="0"/>
-              <a:t>日</a:t>
-            </a:r>
-            <a:r>
-              <a:rPr lang="en-US" altLang="ja-JP" dirty="0"/>
-              <a:t>30</a:t>
-            </a:r>
-            <a:r>
-              <a:rPr lang="ja-JP" altLang="en-US" dirty="0"/>
-              <a:t>台程度。</a:t>
-            </a:r>
-            <a:endParaRPr lang="en-US" altLang="ja-JP" dirty="0"/>
-          </a:p>
-          <a:p>
-            <a:pPr marL="0" indent="0">
-              <a:buNone/>
-            </a:pPr>
-            <a:r>
-              <a:rPr lang="ja-JP" altLang="en-US" dirty="0"/>
-              <a:t>　デメリット：投資コスト高。</a:t>
-            </a:r>
-            <a:endParaRPr kumimoji="1" lang="en-US" altLang="ja-JP" dirty="0"/>
-          </a:p>
-          <a:p>
-            <a:endParaRPr kumimoji="1" lang="en-US" altLang="ja-JP" dirty="0"/>
-          </a:p>
-          <a:p>
-            <a:r>
-              <a:rPr lang="ja-JP" altLang="en-US" dirty="0"/>
-              <a:t>ミドルタッチ展開</a:t>
-            </a:r>
-            <a:endParaRPr lang="en-US" altLang="ja-JP" dirty="0"/>
-          </a:p>
-          <a:p>
-            <a:pPr marL="0" indent="0">
-              <a:buNone/>
-            </a:pPr>
-            <a:r>
-              <a:rPr lang="ja-JP" altLang="en-US" dirty="0"/>
-              <a:t>　展開を</a:t>
-            </a:r>
-            <a:r>
-              <a:rPr lang="en-US" altLang="ja-JP" dirty="0"/>
-              <a:t>5</a:t>
-            </a:r>
-            <a:r>
-              <a:rPr lang="ja-JP" altLang="en-US" dirty="0"/>
-              <a:t>割自動化する。展開先</a:t>
-            </a:r>
-            <a:r>
-              <a:rPr lang="en-US" altLang="ja-JP" dirty="0"/>
-              <a:t>PC</a:t>
-            </a:r>
-            <a:r>
-              <a:rPr lang="ja-JP" altLang="en-US" dirty="0" err="1"/>
-              <a:t>での</a:t>
-            </a:r>
-            <a:r>
-              <a:rPr lang="ja-JP" altLang="en-US" dirty="0"/>
-              <a:t>手動操作が必要。</a:t>
-            </a:r>
-            <a:endParaRPr lang="en-US" altLang="ja-JP" dirty="0"/>
-          </a:p>
-          <a:p>
-            <a:pPr marL="0" indent="0">
-              <a:buNone/>
-            </a:pPr>
-            <a:r>
-              <a:rPr lang="ja-JP" altLang="en-US" dirty="0"/>
-              <a:t>　メリット：投資コスト安。</a:t>
-            </a:r>
-            <a:endParaRPr lang="en-US" altLang="ja-JP" dirty="0"/>
-          </a:p>
-          <a:p>
-            <a:pPr marL="0" indent="0">
-              <a:buNone/>
-            </a:pPr>
-            <a:r>
-              <a:rPr lang="ja-JP" altLang="en-US" dirty="0"/>
-              <a:t>　デメリット：生産台数少。環境にもよるが</a:t>
-            </a:r>
-            <a:r>
-              <a:rPr lang="en-US" altLang="ja-JP" dirty="0"/>
-              <a:t>1</a:t>
-            </a:r>
-            <a:r>
-              <a:rPr lang="ja-JP" altLang="en-US" dirty="0"/>
-              <a:t>名で</a:t>
-            </a:r>
-            <a:r>
-              <a:rPr lang="en-US" altLang="ja-JP" dirty="0"/>
-              <a:t>1</a:t>
-            </a:r>
-            <a:r>
-              <a:rPr lang="ja-JP" altLang="en-US" dirty="0"/>
-              <a:t>日</a:t>
-            </a:r>
-            <a:r>
-              <a:rPr lang="en-US" altLang="ja-JP" dirty="0"/>
-              <a:t>10</a:t>
-            </a:r>
-            <a:r>
-              <a:rPr lang="ja-JP" altLang="en-US" dirty="0"/>
-              <a:t>台程度。</a:t>
+              <a:t>外部委託し、物理的場所・人を確保して生産台数を向上</a:t>
             </a:r>
             <a:endParaRPr lang="en-US" altLang="ja-JP" dirty="0"/>
           </a:p>
@@ -3959,6 +3831,561 @@
 </file>
 
 <file path=ppt/slides/slide3.xml><?xml version="1.0" encoding="utf-8"?>
+<p:sld xmlns:a="http://schemas.openxmlformats.org/drawingml/2006/main" xmlns:r="http://schemas.openxmlformats.org/officeDocument/2006/relationships" xmlns:p="http://schemas.openxmlformats.org/presentationml/2006/main">
+  <p:cSld>
+    <p:spTree>
+      <p:nvGrpSpPr>
+        <p:cNvPr id="1" name=""/>
+        <p:cNvGrpSpPr/>
+        <p:nvPr/>
+      </p:nvGrpSpPr>
+      <p:grpSpPr>
+        <a:xfrm>
+          <a:off x="0" y="0"/>
+          <a:ext cx="0" cy="0"/>
+          <a:chOff x="0" y="0"/>
+          <a:chExt cx="0" cy="0"/>
+        </a:xfrm>
+      </p:grpSpPr>
+      <p:sp>
+        <p:nvSpPr>
+          <p:cNvPr id="2" name="タイトル 1">
+            <a:extLst>
+              <a:ext uri="{FF2B5EF4-FFF2-40B4-BE49-F238E27FC236}">
+                <a16:creationId xmlns:a16="http://schemas.microsoft.com/office/drawing/2014/main" id="{D6DC7E42-EA04-426D-99FC-5BF99E8A4EE2}"/>
+              </a:ext>
+            </a:extLst>
+          </p:cNvPr>
+          <p:cNvSpPr>
+            <a:spLocks noGrp="1"/>
+          </p:cNvSpPr>
+          <p:nvPr>
+            <p:ph type="title"/>
+          </p:nvPr>
+        </p:nvSpPr>
+        <p:spPr/>
+        <p:txBody>
+          <a:bodyPr/>
+          <a:lstStyle/>
+          <a:p>
+            <a:r>
+              <a:rPr kumimoji="1" lang="ja-JP" altLang="en-US" dirty="0"/>
+              <a:t>設定時間の最小化（展開手法）</a:t>
+            </a:r>
+          </a:p>
+        </p:txBody>
+      </p:sp>
+      <p:sp>
+        <p:nvSpPr>
+          <p:cNvPr id="3" name="コンテンツ プレースホルダー 2">
+            <a:extLst>
+              <a:ext uri="{FF2B5EF4-FFF2-40B4-BE49-F238E27FC236}">
+                <a16:creationId xmlns:a16="http://schemas.microsoft.com/office/drawing/2014/main" id="{D7C4F5DB-E814-43F2-96B8-D6548BBFBDD7}"/>
+              </a:ext>
+            </a:extLst>
+          </p:cNvPr>
+          <p:cNvSpPr>
+            <a:spLocks noGrp="1"/>
+          </p:cNvSpPr>
+          <p:nvPr>
+            <p:ph idx="1"/>
+          </p:nvPr>
+        </p:nvSpPr>
+        <p:spPr/>
+        <p:txBody>
+          <a:bodyPr>
+            <a:normAutofit fontScale="92500" lnSpcReduction="10000"/>
+          </a:bodyPr>
+          <a:lstStyle/>
+          <a:p>
+            <a:pPr marL="0" indent="0">
+              <a:buNone/>
+            </a:pPr>
+            <a:r>
+              <a:rPr kumimoji="1" lang="ja-JP" altLang="en-US" dirty="0"/>
+              <a:t>設定時間最小化のために、展開手法として以下を用いる。</a:t>
+            </a:r>
+            <a:endParaRPr kumimoji="1" lang="en-US" altLang="ja-JP" dirty="0"/>
+          </a:p>
+          <a:p>
+            <a:pPr marL="0" indent="0">
+              <a:buNone/>
+            </a:pPr>
+            <a:endParaRPr lang="en-US" altLang="ja-JP" dirty="0"/>
+          </a:p>
+          <a:p>
+            <a:r>
+              <a:rPr kumimoji="1" lang="ja-JP" altLang="en-US" b="1" dirty="0"/>
+              <a:t>マスターイメージ配信</a:t>
+            </a:r>
+            <a:endParaRPr kumimoji="1" lang="en-US" altLang="ja-JP" b="1" dirty="0"/>
+          </a:p>
+          <a:p>
+            <a:pPr marL="0" indent="0">
+              <a:buNone/>
+            </a:pPr>
+            <a:r>
+              <a:rPr lang="ja-JP" altLang="en-US" dirty="0"/>
+              <a:t>設定済み</a:t>
+            </a:r>
+            <a:r>
+              <a:rPr lang="en-US" altLang="ja-JP" dirty="0"/>
+              <a:t>PC</a:t>
+            </a:r>
+            <a:r>
+              <a:rPr lang="ja-JP" altLang="en-US" dirty="0"/>
+              <a:t>の状態をマスターイメージとして取得し、複数</a:t>
+            </a:r>
+            <a:r>
+              <a:rPr lang="en-US" altLang="ja-JP" dirty="0"/>
+              <a:t>PC</a:t>
+            </a:r>
+            <a:r>
+              <a:rPr lang="ja-JP" altLang="en-US" dirty="0"/>
+              <a:t>に展開する。</a:t>
+            </a:r>
+            <a:endParaRPr lang="en-US" altLang="ja-JP" dirty="0"/>
+          </a:p>
+          <a:p>
+            <a:pPr marL="0" indent="0">
+              <a:buNone/>
+            </a:pPr>
+            <a:endParaRPr kumimoji="1" lang="en-US" altLang="ja-JP" dirty="0"/>
+          </a:p>
+          <a:p>
+            <a:r>
+              <a:rPr lang="ja-JP" altLang="en-US" b="1" dirty="0"/>
+              <a:t>個別設定自動化</a:t>
+            </a:r>
+            <a:endParaRPr lang="en-US" altLang="ja-JP" b="1" dirty="0"/>
+          </a:p>
+          <a:p>
+            <a:pPr marL="0" indent="0">
+              <a:buNone/>
+            </a:pPr>
+            <a:r>
+              <a:rPr lang="ja-JP" altLang="en-US" dirty="0"/>
+              <a:t>マスターイメージ展開後、</a:t>
+            </a:r>
+            <a:r>
+              <a:rPr lang="en-US" altLang="ja-JP" dirty="0"/>
+              <a:t>MDT(Microsoft Deployment Tool)</a:t>
+            </a:r>
+            <a:r>
+              <a:rPr lang="ja-JP" altLang="en-US" dirty="0"/>
+              <a:t>を使用して個別設定（ネットワーク設定、アプリケーションインストール等）を自動化する。</a:t>
+            </a:r>
+            <a:endParaRPr lang="en-US" altLang="ja-JP" dirty="0"/>
+          </a:p>
+        </p:txBody>
+      </p:sp>
+    </p:spTree>
+    <p:extLst>
+      <p:ext uri="{BB962C8B-B14F-4D97-AF65-F5344CB8AC3E}">
+        <p14:creationId xmlns:p14="http://schemas.microsoft.com/office/powerpoint/2010/main" val="2282054227"/>
+      </p:ext>
+    </p:extLst>
+  </p:cSld>
+  <p:clrMapOvr>
+    <a:masterClrMapping/>
+  </p:clrMapOvr>
+</p:sld>
+</file>
+
+<file path=ppt/slides/slide4.xml><?xml version="1.0" encoding="utf-8"?>
+<p:sld xmlns:a="http://schemas.openxmlformats.org/drawingml/2006/main" xmlns:r="http://schemas.openxmlformats.org/officeDocument/2006/relationships" xmlns:p="http://schemas.openxmlformats.org/presentationml/2006/main">
+  <p:cSld>
+    <p:spTree>
+      <p:nvGrpSpPr>
+        <p:cNvPr id="1" name=""/>
+        <p:cNvGrpSpPr/>
+        <p:nvPr/>
+      </p:nvGrpSpPr>
+      <p:grpSpPr>
+        <a:xfrm>
+          <a:off x="0" y="0"/>
+          <a:ext cx="0" cy="0"/>
+          <a:chOff x="0" y="0"/>
+          <a:chExt cx="0" cy="0"/>
+        </a:xfrm>
+      </p:grpSpPr>
+      <p:sp>
+        <p:nvSpPr>
+          <p:cNvPr id="2" name="タイトル 1">
+            <a:extLst>
+              <a:ext uri="{FF2B5EF4-FFF2-40B4-BE49-F238E27FC236}">
+                <a16:creationId xmlns:a16="http://schemas.microsoft.com/office/drawing/2014/main" id="{D6DC7E42-EA04-426D-99FC-5BF99E8A4EE2}"/>
+              </a:ext>
+            </a:extLst>
+          </p:cNvPr>
+          <p:cNvSpPr>
+            <a:spLocks noGrp="1"/>
+          </p:cNvSpPr>
+          <p:nvPr>
+            <p:ph type="title"/>
+          </p:nvPr>
+        </p:nvSpPr>
+        <p:spPr/>
+        <p:txBody>
+          <a:bodyPr/>
+          <a:lstStyle/>
+          <a:p>
+            <a:r>
+              <a:rPr kumimoji="1" lang="ja-JP" altLang="en-US" dirty="0"/>
+              <a:t>設定時間の最小化（展開環境）</a:t>
+            </a:r>
+          </a:p>
+        </p:txBody>
+      </p:sp>
+      <p:sp>
+        <p:nvSpPr>
+          <p:cNvPr id="3" name="コンテンツ プレースホルダー 2">
+            <a:extLst>
+              <a:ext uri="{FF2B5EF4-FFF2-40B4-BE49-F238E27FC236}">
+                <a16:creationId xmlns:a16="http://schemas.microsoft.com/office/drawing/2014/main" id="{D7C4F5DB-E814-43F2-96B8-D6548BBFBDD7}"/>
+              </a:ext>
+            </a:extLst>
+          </p:cNvPr>
+          <p:cNvSpPr>
+            <a:spLocks noGrp="1"/>
+          </p:cNvSpPr>
+          <p:nvPr>
+            <p:ph idx="1"/>
+          </p:nvPr>
+        </p:nvSpPr>
+        <p:spPr/>
+        <p:txBody>
+          <a:bodyPr>
+            <a:normAutofit fontScale="92500" lnSpcReduction="20000"/>
+          </a:bodyPr>
+          <a:lstStyle/>
+          <a:p>
+            <a:pPr marL="0" indent="0">
+              <a:buNone/>
+            </a:pPr>
+            <a:r>
+              <a:rPr kumimoji="1" lang="ja-JP" altLang="en-US" dirty="0"/>
+              <a:t>予算・台数規模によって、以下２つの展開環境を検討する。</a:t>
+            </a:r>
+            <a:endParaRPr kumimoji="1" lang="en-US" altLang="ja-JP" dirty="0"/>
+          </a:p>
+          <a:p>
+            <a:pPr marL="0" indent="0">
+              <a:buNone/>
+            </a:pPr>
+            <a:endParaRPr lang="en-US" altLang="ja-JP" dirty="0"/>
+          </a:p>
+          <a:p>
+            <a:r>
+              <a:rPr kumimoji="1" lang="ja-JP" altLang="en-US" b="1" dirty="0"/>
+              <a:t>ネットワーク展開</a:t>
+            </a:r>
+            <a:endParaRPr kumimoji="1" lang="en-US" altLang="ja-JP" b="1" dirty="0"/>
+          </a:p>
+          <a:p>
+            <a:pPr marL="0" indent="0">
+              <a:buNone/>
+            </a:pPr>
+            <a:r>
+              <a:rPr lang="ja-JP" altLang="en-US" dirty="0"/>
+              <a:t>　イメージ展開サーバからマスターイメージを</a:t>
+            </a:r>
+            <a:r>
+              <a:rPr lang="en-US" altLang="ja-JP" dirty="0"/>
+              <a:t>PC</a:t>
+            </a:r>
+            <a:r>
+              <a:rPr lang="ja-JP" altLang="en-US" dirty="0"/>
+              <a:t>に配信する。</a:t>
+            </a:r>
+            <a:endParaRPr lang="en-US" altLang="ja-JP" dirty="0"/>
+          </a:p>
+          <a:p>
+            <a:pPr lvl="1">
+              <a:buFont typeface="Wingdings" panose="05000000000000000000" pitchFamily="2" charset="2"/>
+              <a:buChar char="ü"/>
+            </a:pPr>
+            <a:r>
+              <a:rPr lang="ja-JP" altLang="en-US" sz="2600" dirty="0"/>
+              <a:t>　メリット：生産台数多。</a:t>
+            </a:r>
+            <a:r>
+              <a:rPr lang="en-US" altLang="ja-JP" sz="2600" dirty="0"/>
+              <a:t>1</a:t>
+            </a:r>
+            <a:r>
+              <a:rPr lang="ja-JP" altLang="en-US" sz="2600" dirty="0"/>
+              <a:t>名で</a:t>
+            </a:r>
+            <a:r>
+              <a:rPr lang="en-US" altLang="ja-JP" sz="2600" dirty="0"/>
+              <a:t>1</a:t>
+            </a:r>
+            <a:r>
+              <a:rPr lang="ja-JP" altLang="en-US" sz="2600" dirty="0"/>
+              <a:t>日</a:t>
+            </a:r>
+            <a:r>
+              <a:rPr lang="en-US" altLang="ja-JP" sz="2600" dirty="0"/>
+              <a:t>30</a:t>
+            </a:r>
+            <a:r>
+              <a:rPr lang="ja-JP" altLang="en-US" sz="2600" dirty="0"/>
+              <a:t>台程度。</a:t>
+            </a:r>
+            <a:endParaRPr lang="en-US" altLang="ja-JP" sz="2600" dirty="0"/>
+          </a:p>
+          <a:p>
+            <a:pPr lvl="1">
+              <a:buFont typeface="Wingdings" panose="05000000000000000000" pitchFamily="2" charset="2"/>
+              <a:buChar char="ü"/>
+            </a:pPr>
+            <a:r>
+              <a:rPr lang="ja-JP" altLang="en-US" sz="2600" dirty="0"/>
+              <a:t>　デメリット：投資コスト高。</a:t>
+            </a:r>
+            <a:endParaRPr kumimoji="1" lang="en-US" altLang="ja-JP" sz="2600" dirty="0"/>
+          </a:p>
+          <a:p>
+            <a:endParaRPr kumimoji="1" lang="en-US" altLang="ja-JP" dirty="0"/>
+          </a:p>
+          <a:p>
+            <a:r>
+              <a:rPr lang="en-US" altLang="ja-JP" b="1" dirty="0"/>
+              <a:t>USB</a:t>
+            </a:r>
+            <a:r>
+              <a:rPr lang="ja-JP" altLang="en-US" b="1" dirty="0"/>
+              <a:t>展開</a:t>
+            </a:r>
+            <a:endParaRPr lang="en-US" altLang="ja-JP" b="1" dirty="0"/>
+          </a:p>
+          <a:p>
+            <a:pPr marL="0" indent="0">
+              <a:buNone/>
+            </a:pPr>
+            <a:r>
+              <a:rPr lang="ja-JP" altLang="en-US" dirty="0"/>
+              <a:t>　</a:t>
+            </a:r>
+            <a:r>
+              <a:rPr lang="en-US" altLang="ja-JP" dirty="0"/>
+              <a:t>USB</a:t>
+            </a:r>
+            <a:r>
+              <a:rPr lang="ja-JP" altLang="en-US" dirty="0"/>
+              <a:t>メモリで</a:t>
+            </a:r>
+            <a:r>
+              <a:rPr lang="en-US" altLang="ja-JP" dirty="0"/>
+              <a:t>PC</a:t>
+            </a:r>
+            <a:r>
+              <a:rPr lang="ja-JP" altLang="en-US" dirty="0"/>
+              <a:t>をブートし、</a:t>
+            </a:r>
+            <a:r>
+              <a:rPr lang="en-US" altLang="ja-JP" dirty="0"/>
+              <a:t>PC</a:t>
+            </a:r>
+            <a:r>
+              <a:rPr lang="ja-JP" altLang="en-US" dirty="0"/>
+              <a:t>からマスターイメージを取得する。</a:t>
+            </a:r>
+            <a:endParaRPr lang="en-US" altLang="ja-JP" dirty="0"/>
+          </a:p>
+          <a:p>
+            <a:pPr lvl="1">
+              <a:buFont typeface="Wingdings" panose="05000000000000000000" pitchFamily="2" charset="2"/>
+              <a:buChar char="ü"/>
+            </a:pPr>
+            <a:r>
+              <a:rPr lang="ja-JP" altLang="en-US" dirty="0"/>
+              <a:t>　</a:t>
+            </a:r>
+            <a:r>
+              <a:rPr lang="ja-JP" altLang="en-US" sz="2600" dirty="0"/>
+              <a:t>メリット：投資コスト安。</a:t>
+            </a:r>
+            <a:endParaRPr lang="en-US" altLang="ja-JP" sz="2600" dirty="0"/>
+          </a:p>
+          <a:p>
+            <a:pPr lvl="1">
+              <a:buFont typeface="Wingdings" panose="05000000000000000000" pitchFamily="2" charset="2"/>
+              <a:buChar char="ü"/>
+            </a:pPr>
+            <a:r>
+              <a:rPr lang="ja-JP" altLang="en-US" sz="2600" dirty="0"/>
+              <a:t>　デメリット：生産台数少。</a:t>
+            </a:r>
+            <a:r>
+              <a:rPr lang="en-US" altLang="ja-JP" sz="2600" dirty="0"/>
+              <a:t>1</a:t>
+            </a:r>
+            <a:r>
+              <a:rPr lang="ja-JP" altLang="en-US" sz="2600" dirty="0"/>
+              <a:t>名で</a:t>
+            </a:r>
+            <a:r>
+              <a:rPr lang="en-US" altLang="ja-JP" sz="2600" dirty="0"/>
+              <a:t>1</a:t>
+            </a:r>
+            <a:r>
+              <a:rPr lang="ja-JP" altLang="en-US" sz="2600" dirty="0"/>
+              <a:t>日</a:t>
+            </a:r>
+            <a:r>
+              <a:rPr lang="en-US" altLang="ja-JP" sz="2600" dirty="0"/>
+              <a:t>10</a:t>
+            </a:r>
+            <a:r>
+              <a:rPr lang="ja-JP" altLang="en-US" sz="2600" dirty="0"/>
+              <a:t>台程度。</a:t>
+            </a:r>
+            <a:endParaRPr lang="en-US" altLang="ja-JP" dirty="0"/>
+          </a:p>
+        </p:txBody>
+      </p:sp>
+    </p:spTree>
+    <p:extLst>
+      <p:ext uri="{BB962C8B-B14F-4D97-AF65-F5344CB8AC3E}">
+        <p14:creationId xmlns:p14="http://schemas.microsoft.com/office/powerpoint/2010/main" val="3377456615"/>
+      </p:ext>
+    </p:extLst>
+  </p:cSld>
+  <p:clrMapOvr>
+    <a:masterClrMapping/>
+  </p:clrMapOvr>
+</p:sld>
+</file>
+
+<file path=ppt/slides/slide5.xml><?xml version="1.0" encoding="utf-8"?>
+<p:sld xmlns:a="http://schemas.openxmlformats.org/drawingml/2006/main" xmlns:r="http://schemas.openxmlformats.org/officeDocument/2006/relationships" xmlns:p="http://schemas.openxmlformats.org/presentationml/2006/main">
+  <p:cSld>
+    <p:spTree>
+      <p:nvGrpSpPr>
+        <p:cNvPr id="1" name=""/>
+        <p:cNvGrpSpPr/>
+        <p:nvPr/>
+      </p:nvGrpSpPr>
+      <p:grpSpPr>
+        <a:xfrm>
+          <a:off x="0" y="0"/>
+          <a:ext cx="0" cy="0"/>
+          <a:chOff x="0" y="0"/>
+          <a:chExt cx="0" cy="0"/>
+        </a:xfrm>
+      </p:grpSpPr>
+      <p:sp>
+        <p:nvSpPr>
+          <p:cNvPr id="2" name="タイトル 1">
+            <a:extLst>
+              <a:ext uri="{FF2B5EF4-FFF2-40B4-BE49-F238E27FC236}">
+                <a16:creationId xmlns:a16="http://schemas.microsoft.com/office/drawing/2014/main" id="{D6DC7E42-EA04-426D-99FC-5BF99E8A4EE2}"/>
+              </a:ext>
+            </a:extLst>
+          </p:cNvPr>
+          <p:cNvSpPr>
+            <a:spLocks noGrp="1"/>
+          </p:cNvSpPr>
+          <p:nvPr>
+            <p:ph type="title"/>
+          </p:nvPr>
+        </p:nvSpPr>
+        <p:spPr/>
+        <p:txBody>
+          <a:bodyPr/>
+          <a:lstStyle/>
+          <a:p>
+            <a:r>
+              <a:rPr kumimoji="1" lang="ja-JP" altLang="en-US" dirty="0"/>
+              <a:t>同時作業数の最大化</a:t>
+            </a:r>
+          </a:p>
+        </p:txBody>
+      </p:sp>
+      <p:sp>
+        <p:nvSpPr>
+          <p:cNvPr id="3" name="コンテンツ プレースホルダー 2">
+            <a:extLst>
+              <a:ext uri="{FF2B5EF4-FFF2-40B4-BE49-F238E27FC236}">
+                <a16:creationId xmlns:a16="http://schemas.microsoft.com/office/drawing/2014/main" id="{D7C4F5DB-E814-43F2-96B8-D6548BBFBDD7}"/>
+              </a:ext>
+            </a:extLst>
+          </p:cNvPr>
+          <p:cNvSpPr>
+            <a:spLocks noGrp="1"/>
+          </p:cNvSpPr>
+          <p:nvPr>
+            <p:ph idx="1"/>
+          </p:nvPr>
+        </p:nvSpPr>
+        <p:spPr/>
+        <p:txBody>
+          <a:bodyPr>
+            <a:normAutofit/>
+          </a:bodyPr>
+          <a:lstStyle/>
+          <a:p>
+            <a:pPr marL="0" indent="0">
+              <a:buNone/>
+            </a:pPr>
+            <a:r>
+              <a:rPr kumimoji="1" lang="ja-JP" altLang="en-US" dirty="0"/>
+              <a:t>顧客の物理環境に限りがある場合、環境が整った外部業者に作業を委託する。通常、顧客の</a:t>
+            </a:r>
+            <a:r>
+              <a:rPr lang="en-US" altLang="ja-JP" dirty="0"/>
+              <a:t>NW</a:t>
+            </a:r>
+            <a:r>
+              <a:rPr lang="ja-JP" altLang="en-US" dirty="0"/>
+              <a:t>接続はできないのでオフライン環境でのキッティングとなる。オフライン環境キッティングを行う場合、以下を検討する。</a:t>
+            </a:r>
+            <a:endParaRPr kumimoji="1" lang="en-US" altLang="ja-JP" dirty="0"/>
+          </a:p>
+          <a:p>
+            <a:pPr marL="0" indent="0">
+              <a:buNone/>
+            </a:pPr>
+            <a:endParaRPr lang="en-US" altLang="ja-JP" dirty="0"/>
+          </a:p>
+          <a:p>
+            <a:r>
+              <a:rPr kumimoji="1" lang="ja-JP" altLang="en-US" dirty="0"/>
+              <a:t>持ち出し</a:t>
+            </a:r>
+            <a:endParaRPr kumimoji="1" lang="en-US" altLang="ja-JP" dirty="0"/>
+          </a:p>
+          <a:p>
+            <a:r>
+              <a:rPr lang="ja-JP" altLang="en-US" b="1" dirty="0"/>
+              <a:t>オフライン個別設定可否の検討</a:t>
+            </a:r>
+            <a:endParaRPr lang="en-US" altLang="ja-JP" b="1" dirty="0"/>
+          </a:p>
+          <a:p>
+            <a:pPr marL="0" indent="0">
+              <a:buNone/>
+            </a:pPr>
+            <a:endParaRPr lang="en-US" altLang="ja-JP" dirty="0"/>
+          </a:p>
+        </p:txBody>
+      </p:sp>
+    </p:spTree>
+    <p:extLst>
+      <p:ext uri="{BB962C8B-B14F-4D97-AF65-F5344CB8AC3E}">
+        <p14:creationId xmlns:p14="http://schemas.microsoft.com/office/powerpoint/2010/main" val="3882173852"/>
+      </p:ext>
+    </p:extLst>
+  </p:cSld>
+  <p:clrMapOvr>
+    <a:masterClrMapping/>
+  </p:clrMapOvr>
+</p:sld>
+</file>
+
+<file path=ppt/slides/slide6.xml><?xml version="1.0" encoding="utf-8"?>
 <p:sld xmlns:a="http://schemas.openxmlformats.org/drawingml/2006/main" xmlns:r="http://schemas.openxmlformats.org/officeDocument/2006/relationships" xmlns:p="http://schemas.openxmlformats.org/presentationml/2006/main">
   <p:cSld>
     <p:spTree>
